--- a/project2.pptx
+++ b/project2.pptx
@@ -226,7 +226,7 @@
           <a:p>
             <a:fld id="{0918F070-10D7-B04C-89FC-5B4AD48ABD2F}" type="datetimeFigureOut">
               <a:rPr lang="en-US" smtClean="0"/>
-              <a:t>2/14/2018</a:t>
+              <a:t>2/22/18</a:t>
             </a:fld>
             <a:endParaRPr lang="en-US"/>
           </a:p>
@@ -392,7 +392,7 @@
           <a:p>
             <a:fld id="{BE48478B-6CB6-1648-AD11-4BCA276D364A}" type="datetimeFigureOut">
               <a:rPr lang="en-US" smtClean="0"/>
-              <a:t>2/14/2018</a:t>
+              <a:t>2/22/18</a:t>
             </a:fld>
             <a:endParaRPr lang="en-US"/>
           </a:p>
@@ -869,14 +869,13 @@
               <a:t>Step-By-Step Instructions for </a:t>
             </a:r>
             <a:r>
-              <a:rPr lang="en-US" dirty="0" err="1" smtClean="0"/>
+              <a:rPr lang="en-US" dirty="0" err="1"/>
               <a:t>Miniproject</a:t>
             </a:r>
             <a:r>
-              <a:rPr lang="en-US" dirty="0" smtClean="0"/>
+              <a:rPr lang="en-US" dirty="0"/>
               <a:t> 2</a:t>
             </a:r>
-            <a:endParaRPr lang="en-US" dirty="0"/>
           </a:p>
         </p:txBody>
       </p:sp>
@@ -1053,14 +1052,13 @@
               <a:t>Step-By-Step Instructions for </a:t>
             </a:r>
             <a:r>
-              <a:rPr lang="en-US" dirty="0" err="1" smtClean="0"/>
+              <a:rPr lang="en-US" dirty="0" err="1"/>
               <a:t>Miniproject</a:t>
             </a:r>
             <a:r>
-              <a:rPr lang="en-US" dirty="0" smtClean="0"/>
+              <a:rPr lang="en-US" dirty="0"/>
               <a:t> 2</a:t>
             </a:r>
-            <a:endParaRPr lang="en-US" dirty="0"/>
           </a:p>
         </p:txBody>
       </p:sp>
@@ -1247,14 +1245,13 @@
               <a:t>Step-By-Step Instructions for </a:t>
             </a:r>
             <a:r>
-              <a:rPr lang="en-US" dirty="0" err="1" smtClean="0"/>
+              <a:rPr lang="en-US" dirty="0" err="1"/>
               <a:t>Miniproject</a:t>
             </a:r>
             <a:r>
-              <a:rPr lang="en-US" dirty="0" smtClean="0"/>
+              <a:rPr lang="en-US" dirty="0"/>
               <a:t> 2</a:t>
             </a:r>
-            <a:endParaRPr lang="en-US" dirty="0"/>
           </a:p>
         </p:txBody>
       </p:sp>
@@ -1439,14 +1436,13 @@
               <a:t>Step-By-Step Instructions for </a:t>
             </a:r>
             <a:r>
-              <a:rPr lang="en-US" dirty="0" err="1" smtClean="0"/>
+              <a:rPr lang="en-US" dirty="0" err="1"/>
               <a:t>Miniproject</a:t>
             </a:r>
             <a:r>
-              <a:rPr lang="en-US" dirty="0" smtClean="0"/>
+              <a:rPr lang="en-US" dirty="0"/>
               <a:t> 2</a:t>
             </a:r>
-            <a:endParaRPr lang="en-US" dirty="0"/>
           </a:p>
         </p:txBody>
       </p:sp>
@@ -1700,14 +1696,13 @@
               <a:t>Step-By-Step Instructions for </a:t>
             </a:r>
             <a:r>
-              <a:rPr lang="en-US" dirty="0" err="1" smtClean="0"/>
+              <a:rPr lang="en-US" dirty="0" err="1"/>
               <a:t>Miniproject</a:t>
             </a:r>
             <a:r>
-              <a:rPr lang="en-US" dirty="0" smtClean="0"/>
+              <a:rPr lang="en-US" dirty="0"/>
               <a:t> 2</a:t>
             </a:r>
-            <a:endParaRPr lang="en-US" dirty="0"/>
           </a:p>
         </p:txBody>
       </p:sp>
@@ -2001,14 +1996,13 @@
               <a:t>Step-By-Step Instructions for </a:t>
             </a:r>
             <a:r>
-              <a:rPr lang="en-US" dirty="0" err="1" smtClean="0"/>
+              <a:rPr lang="en-US" dirty="0" err="1"/>
               <a:t>Miniproject</a:t>
             </a:r>
             <a:r>
-              <a:rPr lang="en-US" dirty="0" smtClean="0"/>
+              <a:rPr lang="en-US" dirty="0"/>
               <a:t> 2</a:t>
             </a:r>
-            <a:endParaRPr lang="en-US" dirty="0"/>
           </a:p>
         </p:txBody>
       </p:sp>
@@ -2436,14 +2430,13 @@
               <a:t>Step-By-Step Instructions for </a:t>
             </a:r>
             <a:r>
-              <a:rPr lang="en-US" dirty="0" err="1" smtClean="0"/>
+              <a:rPr lang="en-US" dirty="0" err="1"/>
               <a:t>Miniproject</a:t>
             </a:r>
             <a:r>
-              <a:rPr lang="en-US" dirty="0" smtClean="0"/>
+              <a:rPr lang="en-US" dirty="0"/>
               <a:t> 2</a:t>
             </a:r>
-            <a:endParaRPr lang="en-US" dirty="0"/>
           </a:p>
         </p:txBody>
       </p:sp>
@@ -2569,14 +2562,13 @@
               <a:t>Step-By-Step Instructions for </a:t>
             </a:r>
             <a:r>
-              <a:rPr lang="en-US" dirty="0" err="1" smtClean="0"/>
+              <a:rPr lang="en-US" dirty="0" err="1"/>
               <a:t>Miniproject</a:t>
             </a:r>
             <a:r>
-              <a:rPr lang="en-US" dirty="0" smtClean="0"/>
+              <a:rPr lang="en-US" dirty="0"/>
               <a:t> 2</a:t>
             </a:r>
-            <a:endParaRPr lang="en-US" dirty="0"/>
           </a:p>
         </p:txBody>
       </p:sp>
@@ -2680,14 +2672,13 @@
               <a:t>Step-By-Step Instructions for </a:t>
             </a:r>
             <a:r>
-              <a:rPr lang="en-US" dirty="0" err="1" smtClean="0"/>
+              <a:rPr lang="en-US" dirty="0" err="1"/>
               <a:t>Miniproject</a:t>
             </a:r>
             <a:r>
-              <a:rPr lang="en-US" dirty="0" smtClean="0"/>
+              <a:rPr lang="en-US" dirty="0"/>
               <a:t> 2</a:t>
             </a:r>
-            <a:endParaRPr lang="en-US" dirty="0"/>
           </a:p>
         </p:txBody>
       </p:sp>
@@ -2971,14 +2962,13 @@
               <a:t>Step-By-Step Instructions for </a:t>
             </a:r>
             <a:r>
-              <a:rPr lang="en-US" dirty="0" err="1" smtClean="0"/>
+              <a:rPr lang="en-US" dirty="0" err="1"/>
               <a:t>Miniproject</a:t>
             </a:r>
             <a:r>
-              <a:rPr lang="en-US" dirty="0" smtClean="0"/>
+              <a:rPr lang="en-US" dirty="0"/>
               <a:t> 2</a:t>
             </a:r>
-            <a:endParaRPr lang="en-US" dirty="0"/>
           </a:p>
         </p:txBody>
       </p:sp>
@@ -3239,14 +3229,13 @@
               <a:t>Step-By-Step Instructions for </a:t>
             </a:r>
             <a:r>
-              <a:rPr lang="en-US" dirty="0" err="1" smtClean="0"/>
+              <a:rPr lang="en-US" dirty="0" err="1"/>
               <a:t>Miniproject</a:t>
             </a:r>
             <a:r>
-              <a:rPr lang="en-US" dirty="0" smtClean="0"/>
+              <a:rPr lang="en-US" dirty="0"/>
               <a:t> 2</a:t>
             </a:r>
-            <a:endParaRPr lang="en-US" dirty="0"/>
           </a:p>
         </p:txBody>
       </p:sp>
@@ -3439,14 +3428,13 @@
               <a:t>Step-By-Step Instructions for </a:t>
             </a:r>
             <a:r>
-              <a:rPr lang="en-US" dirty="0" err="1" smtClean="0"/>
+              <a:rPr lang="en-US" dirty="0" err="1"/>
               <a:t>Miniproject</a:t>
             </a:r>
             <a:r>
-              <a:rPr lang="en-US" dirty="0" smtClean="0"/>
+              <a:rPr lang="en-US" dirty="0"/>
               <a:t> 2</a:t>
             </a:r>
-            <a:endParaRPr lang="en-US" dirty="0"/>
           </a:p>
         </p:txBody>
       </p:sp>
@@ -3815,13 +3803,8 @@
             </a:r>
             <a:r>
               <a:rPr lang="en-US" dirty="0"/>
-              <a:t> </a:t>
-            </a:r>
-            <a:r>
-              <a:rPr lang="en-US" dirty="0" smtClean="0"/>
-              <a:t>2</a:t>
-            </a:r>
-            <a:endParaRPr lang="en-US" dirty="0"/>
+              <a:t> 2</a:t>
+            </a:r>
           </a:p>
         </p:txBody>
       </p:sp>
@@ -3850,13 +3833,8 @@
             </a:r>
             <a:r>
               <a:rPr lang="en-US" dirty="0"/>
-              <a:t> </a:t>
-            </a:r>
-            <a:r>
-              <a:rPr lang="en-US" dirty="0" smtClean="0"/>
-              <a:t>2</a:t>
-            </a:r>
-            <a:endParaRPr lang="en-US" dirty="0"/>
+              <a:t> 2</a:t>
+            </a:r>
           </a:p>
         </p:txBody>
       </p:sp>
@@ -4017,14 +3995,13 @@
               <a:t>Step-By-Step Instructions for </a:t>
             </a:r>
             <a:r>
-              <a:rPr lang="en-US" dirty="0" err="1" smtClean="0"/>
+              <a:rPr lang="en-US" dirty="0" err="1"/>
               <a:t>Miniproject</a:t>
             </a:r>
             <a:r>
-              <a:rPr lang="en-US" dirty="0" smtClean="0"/>
+              <a:rPr lang="en-US" dirty="0"/>
               <a:t> 2</a:t>
             </a:r>
-            <a:endParaRPr lang="en-US" dirty="0"/>
           </a:p>
         </p:txBody>
       </p:sp>
@@ -4073,7 +4050,7 @@
           <a:graphicData uri="http://schemas.openxmlformats.org/presentationml/2006/ole">
             <mc:AlternateContent xmlns:mc="http://schemas.openxmlformats.org/markup-compatibility/2006">
               <mc:Choice xmlns:v="urn:schemas-microsoft-com:vml" Requires="v">
-                <p:oleObj spid="_x0000_s88169" name="Equation" r:id="rId3" imgW="647700" imgH="203200" progId="Equation.3">
+                <p:oleObj spid="_x0000_s88171" name="Equation" r:id="rId3" imgW="647700" imgH="203200" progId="Equation.3">
                   <p:embed/>
                 </p:oleObj>
               </mc:Choice>
@@ -4471,14 +4448,13 @@
               <a:t>Step-By-Step Instructions for </a:t>
             </a:r>
             <a:r>
-              <a:rPr lang="en-US" dirty="0" err="1" smtClean="0"/>
+              <a:rPr lang="en-US" dirty="0" err="1"/>
               <a:t>Miniproject</a:t>
             </a:r>
             <a:r>
-              <a:rPr lang="en-US" dirty="0" smtClean="0"/>
+              <a:rPr lang="en-US" dirty="0"/>
               <a:t> 2</a:t>
             </a:r>
-            <a:endParaRPr lang="en-US" dirty="0"/>
           </a:p>
         </p:txBody>
       </p:sp>
@@ -4527,7 +4503,7 @@
           <a:graphicData uri="http://schemas.openxmlformats.org/presentationml/2006/ole">
             <mc:AlternateContent xmlns:mc="http://schemas.openxmlformats.org/markup-compatibility/2006">
               <mc:Choice xmlns:v="urn:schemas-microsoft-com:vml" Requires="v">
-                <p:oleObj spid="_x0000_s89277" name="Equation" r:id="rId3" imgW="1104900" imgH="241300" progId="Equation.3">
+                <p:oleObj spid="_x0000_s89281" name="Equation" r:id="rId3" imgW="1104900" imgH="241300" progId="Equation.3">
                   <p:embed/>
                 </p:oleObj>
               </mc:Choice>
@@ -4584,7 +4560,7 @@
           <a:graphicData uri="http://schemas.openxmlformats.org/presentationml/2006/ole">
             <mc:AlternateContent xmlns:mc="http://schemas.openxmlformats.org/markup-compatibility/2006">
               <mc:Choice xmlns:v="urn:schemas-microsoft-com:vml" Requires="v">
-                <p:oleObj spid="_x0000_s89278" name="Equation" r:id="rId5" imgW="1130300" imgH="241300" progId="Equation.3">
+                <p:oleObj spid="_x0000_s89282" name="Equation" r:id="rId5" imgW="1130300" imgH="241300" progId="Equation.3">
                   <p:embed/>
                 </p:oleObj>
               </mc:Choice>
@@ -4819,14 +4795,13 @@
               <a:t>Step-By-Step Instructions for </a:t>
             </a:r>
             <a:r>
-              <a:rPr lang="en-US" dirty="0" err="1" smtClean="0"/>
+              <a:rPr lang="en-US" dirty="0" err="1"/>
               <a:t>Miniproject</a:t>
             </a:r>
             <a:r>
-              <a:rPr lang="en-US" dirty="0" smtClean="0"/>
+              <a:rPr lang="en-US" dirty="0"/>
               <a:t> 2</a:t>
             </a:r>
-            <a:endParaRPr lang="en-US" dirty="0"/>
           </a:p>
         </p:txBody>
       </p:sp>
@@ -4875,7 +4850,7 @@
           <a:graphicData uri="http://schemas.openxmlformats.org/presentationml/2006/ole">
             <mc:AlternateContent xmlns:mc="http://schemas.openxmlformats.org/markup-compatibility/2006">
               <mc:Choice xmlns:v="urn:schemas-microsoft-com:vml" Requires="v">
-                <p:oleObj spid="_x0000_s90295" name="Equation" r:id="rId3" imgW="1104900" imgH="241300" progId="Equation.3">
+                <p:oleObj spid="_x0000_s90299" name="Equation" r:id="rId3" imgW="1104900" imgH="241300" progId="Equation.3">
                   <p:embed/>
                 </p:oleObj>
               </mc:Choice>
@@ -4932,7 +4907,7 @@
           <a:graphicData uri="http://schemas.openxmlformats.org/presentationml/2006/ole">
             <mc:AlternateContent xmlns:mc="http://schemas.openxmlformats.org/markup-compatibility/2006">
               <mc:Choice xmlns:v="urn:schemas-microsoft-com:vml" Requires="v">
-                <p:oleObj spid="_x0000_s90296" name="Equation" r:id="rId5" imgW="1130300" imgH="241300" progId="Equation.3">
+                <p:oleObj spid="_x0000_s90300" name="Equation" r:id="rId5" imgW="1130300" imgH="241300" progId="Equation.3">
                   <p:embed/>
                 </p:oleObj>
               </mc:Choice>
@@ -5062,15 +5037,7 @@
           <a:p>
             <a:r>
               <a:rPr lang="en-US" sz="2400" dirty="0"/>
-              <a:t>The top D dimensions of matrix A </a:t>
-            </a:r>
-            <a:r>
-              <a:rPr lang="en-US" sz="2400" dirty="0" smtClean="0"/>
-              <a:t>define a </a:t>
-            </a:r>
-            <a:r>
-              <a:rPr lang="en-US" sz="2400" dirty="0"/>
-              <a:t>D-dim projection that best preserves the learned movie features V:</a:t>
+              <a:t>The top D dimensions of matrix A define a D-dim projection that best preserves the learned movie features V:</a:t>
             </a:r>
           </a:p>
           <a:p>
@@ -5156,14 +5123,13 @@
               <a:t>Step-By-Step Instructions for </a:t>
             </a:r>
             <a:r>
-              <a:rPr lang="en-US" dirty="0" err="1" smtClean="0"/>
+              <a:rPr lang="en-US" dirty="0" err="1"/>
               <a:t>Miniproject</a:t>
             </a:r>
             <a:r>
-              <a:rPr lang="en-US" dirty="0" smtClean="0"/>
+              <a:rPr lang="en-US" dirty="0"/>
               <a:t> 2</a:t>
             </a:r>
-            <a:endParaRPr lang="en-US" dirty="0"/>
           </a:p>
         </p:txBody>
       </p:sp>
@@ -5212,7 +5178,7 @@
           <a:graphicData uri="http://schemas.openxmlformats.org/presentationml/2006/ole">
             <mc:AlternateContent xmlns:mc="http://schemas.openxmlformats.org/markup-compatibility/2006">
               <mc:Choice xmlns:v="urn:schemas-microsoft-com:vml" Requires="v">
-                <p:oleObj spid="_x0000_s93259" name="Equation" r:id="rId3" imgW="952500" imgH="419100" progId="Equation.3">
+                <p:oleObj spid="_x0000_s93263" name="Equation" r:id="rId3" imgW="952500" imgH="419100" progId="Equation.3">
                   <p:embed/>
                 </p:oleObj>
               </mc:Choice>
@@ -5269,7 +5235,7 @@
           <a:graphicData uri="http://schemas.openxmlformats.org/presentationml/2006/ole">
             <mc:AlternateContent xmlns:mc="http://schemas.openxmlformats.org/markup-compatibility/2006">
               <mc:Choice xmlns:v="urn:schemas-microsoft-com:vml" Requires="v">
-                <p:oleObj spid="_x0000_s93260" name="Equation" r:id="rId5" imgW="635000" imgH="254000" progId="Equation.3">
+                <p:oleObj spid="_x0000_s93264" name="Equation" r:id="rId5" imgW="635000" imgH="254000" progId="Equation.3">
                   <p:embed/>
                 </p:oleObj>
               </mc:Choice>
@@ -5528,14 +5494,13 @@
               <a:t>Step-By-Step Instructions for </a:t>
             </a:r>
             <a:r>
-              <a:rPr lang="en-US" dirty="0" err="1" smtClean="0"/>
+              <a:rPr lang="en-US" dirty="0" err="1"/>
               <a:t>Miniproject</a:t>
             </a:r>
             <a:r>
-              <a:rPr lang="en-US" dirty="0" smtClean="0"/>
+              <a:rPr lang="en-US" dirty="0"/>
               <a:t> 2</a:t>
             </a:r>
-            <a:endParaRPr lang="en-US" dirty="0"/>
           </a:p>
         </p:txBody>
       </p:sp>
@@ -5723,14 +5688,13 @@
               <a:t>Step-By-Step Instructions for </a:t>
             </a:r>
             <a:r>
-              <a:rPr lang="en-US" dirty="0" err="1" smtClean="0"/>
+              <a:rPr lang="en-US" dirty="0" err="1"/>
               <a:t>Miniproject</a:t>
             </a:r>
             <a:r>
-              <a:rPr lang="en-US" dirty="0" smtClean="0"/>
+              <a:rPr lang="en-US" dirty="0"/>
               <a:t> 2</a:t>
             </a:r>
-            <a:endParaRPr lang="en-US" dirty="0"/>
           </a:p>
         </p:txBody>
       </p:sp>
@@ -5972,14 +5936,13 @@
               <a:t>Step-By-Step Instructions for </a:t>
             </a:r>
             <a:r>
-              <a:rPr lang="en-US" dirty="0" err="1" smtClean="0"/>
+              <a:rPr lang="en-US" dirty="0" err="1"/>
               <a:t>Miniproject</a:t>
             </a:r>
             <a:r>
-              <a:rPr lang="en-US" dirty="0" smtClean="0"/>
+              <a:rPr lang="en-US" dirty="0"/>
               <a:t> 2</a:t>
             </a:r>
-            <a:endParaRPr lang="en-US" dirty="0"/>
           </a:p>
         </p:txBody>
       </p:sp>
@@ -6456,13 +6419,8 @@
             </a:r>
             <a:r>
               <a:rPr lang="en-US" dirty="0"/>
-              <a:t> </a:t>
-            </a:r>
-            <a:r>
-              <a:rPr lang="en-US" dirty="0" smtClean="0"/>
-              <a:t>2</a:t>
-            </a:r>
-            <a:endParaRPr lang="en-US" dirty="0"/>
+              <a:t> 2</a:t>
+            </a:r>
           </a:p>
         </p:txBody>
       </p:sp>
@@ -7032,14 +6990,13 @@
               <a:t>Step-By-Step Instructions for </a:t>
             </a:r>
             <a:r>
-              <a:rPr lang="en-US" dirty="0" err="1" smtClean="0"/>
+              <a:rPr lang="en-US" dirty="0" err="1"/>
               <a:t>Miniproject</a:t>
             </a:r>
             <a:r>
-              <a:rPr lang="en-US" dirty="0" smtClean="0"/>
+              <a:rPr lang="en-US" dirty="0"/>
               <a:t> 2</a:t>
             </a:r>
-            <a:endParaRPr lang="en-US" dirty="0"/>
           </a:p>
         </p:txBody>
       </p:sp>
@@ -7358,14 +7315,13 @@
               <a:t>Step-By-Step Instructions for </a:t>
             </a:r>
             <a:r>
-              <a:rPr lang="en-US" dirty="0" err="1" smtClean="0"/>
+              <a:rPr lang="en-US" dirty="0" err="1"/>
               <a:t>Miniproject</a:t>
             </a:r>
             <a:r>
-              <a:rPr lang="en-US" dirty="0" smtClean="0"/>
+              <a:rPr lang="en-US" dirty="0"/>
               <a:t> 2</a:t>
             </a:r>
-            <a:endParaRPr lang="en-US" dirty="0"/>
           </a:p>
         </p:txBody>
       </p:sp>
@@ -7499,14 +7455,13 @@
               <a:t>Step-By-Step Instructions for </a:t>
             </a:r>
             <a:r>
-              <a:rPr lang="en-US" dirty="0" err="1" smtClean="0"/>
+              <a:rPr lang="en-US" dirty="0" err="1"/>
               <a:t>Miniproject</a:t>
             </a:r>
             <a:r>
-              <a:rPr lang="en-US" dirty="0" smtClean="0"/>
+              <a:rPr lang="en-US" dirty="0"/>
               <a:t> 2</a:t>
             </a:r>
-            <a:endParaRPr lang="en-US" dirty="0"/>
           </a:p>
         </p:txBody>
       </p:sp>
@@ -7555,7 +7510,7 @@
           <a:graphicData uri="http://schemas.openxmlformats.org/presentationml/2006/ole">
             <mc:AlternateContent xmlns:mc="http://schemas.openxmlformats.org/markup-compatibility/2006">
               <mc:Choice xmlns:v="urn:schemas-microsoft-com:vml" Requires="v">
-                <p:oleObj spid="_x0000_s1136" name="Equation" r:id="rId3" imgW="2540000" imgH="457200" progId="Equation.3">
+                <p:oleObj spid="_x0000_s1138" name="Equation" r:id="rId3" imgW="2540000" imgH="457200" progId="Equation.3">
                   <p:embed/>
                 </p:oleObj>
               </mc:Choice>
@@ -7958,14 +7913,13 @@
               <a:t>Step-By-Step Instructions for </a:t>
             </a:r>
             <a:r>
-              <a:rPr lang="en-US" dirty="0" err="1" smtClean="0"/>
+              <a:rPr lang="en-US" dirty="0" err="1"/>
               <a:t>Miniproject</a:t>
             </a:r>
             <a:r>
-              <a:rPr lang="en-US" dirty="0" smtClean="0"/>
+              <a:rPr lang="en-US" dirty="0"/>
               <a:t> 2</a:t>
             </a:r>
-            <a:endParaRPr lang="en-US" dirty="0"/>
           </a:p>
         </p:txBody>
       </p:sp>
@@ -8125,14 +8079,13 @@
               <a:t>Step-By-Step Instructions for </a:t>
             </a:r>
             <a:r>
-              <a:rPr lang="en-US" dirty="0" err="1" smtClean="0"/>
+              <a:rPr lang="en-US" dirty="0" err="1"/>
               <a:t>Miniproject</a:t>
             </a:r>
             <a:r>
-              <a:rPr lang="en-US" dirty="0" smtClean="0"/>
+              <a:rPr lang="en-US" dirty="0"/>
               <a:t> 2</a:t>
             </a:r>
-            <a:endParaRPr lang="en-US" dirty="0"/>
           </a:p>
         </p:txBody>
       </p:sp>
@@ -8181,7 +8134,7 @@
           <a:graphicData uri="http://schemas.openxmlformats.org/presentationml/2006/ole">
             <mc:AlternateContent xmlns:mc="http://schemas.openxmlformats.org/markup-compatibility/2006">
               <mc:Choice xmlns:v="urn:schemas-microsoft-com:vml" Requires="v">
-                <p:oleObj spid="_x0000_s91210" name="Equation" r:id="rId3" imgW="3136900" imgH="457200" progId="Equation.3">
+                <p:oleObj spid="_x0000_s91212" name="Equation" r:id="rId3" imgW="3136900" imgH="457200" progId="Equation.3">
                   <p:embed/>
                 </p:oleObj>
               </mc:Choice>
@@ -8654,14 +8607,13 @@
               <a:t>Step-By-Step Instructions for </a:t>
             </a:r>
             <a:r>
-              <a:rPr lang="en-US" dirty="0" err="1" smtClean="0"/>
+              <a:rPr lang="en-US" dirty="0" err="1"/>
               <a:t>Miniproject</a:t>
             </a:r>
             <a:r>
-              <a:rPr lang="en-US" dirty="0" smtClean="0"/>
+              <a:rPr lang="en-US" dirty="0"/>
               <a:t> 2</a:t>
             </a:r>
-            <a:endParaRPr lang="en-US" dirty="0"/>
           </a:p>
         </p:txBody>
       </p:sp>
@@ -8710,7 +8662,7 @@
           <a:graphicData uri="http://schemas.openxmlformats.org/presentationml/2006/ole">
             <mc:AlternateContent xmlns:mc="http://schemas.openxmlformats.org/markup-compatibility/2006">
               <mc:Choice xmlns:v="urn:schemas-microsoft-com:vml" Requires="v">
-                <p:oleObj spid="_x0000_s97296" name="Equation" r:id="rId3" imgW="4178300" imgH="457200" progId="Equation.3">
+                <p:oleObj spid="_x0000_s97298" name="Equation" r:id="rId3" imgW="4178300" imgH="457200" progId="Equation.3">
                   <p:embed/>
                 </p:oleObj>
               </mc:Choice>
@@ -9223,14 +9175,13 @@
               <a:t>Step-By-Step Instructions for </a:t>
             </a:r>
             <a:r>
-              <a:rPr lang="en-US" dirty="0" err="1" smtClean="0"/>
+              <a:rPr lang="en-US" dirty="0" err="1"/>
               <a:t>Miniproject</a:t>
             </a:r>
             <a:r>
-              <a:rPr lang="en-US" dirty="0" smtClean="0"/>
+              <a:rPr lang="en-US" dirty="0"/>
               <a:t> 2</a:t>
             </a:r>
-            <a:endParaRPr lang="en-US" dirty="0"/>
           </a:p>
         </p:txBody>
       </p:sp>
@@ -9303,7 +9254,7 @@
           <a:graphicData uri="http://schemas.openxmlformats.org/presentationml/2006/ole">
             <mc:AlternateContent xmlns:mc="http://schemas.openxmlformats.org/markup-compatibility/2006">
               <mc:Choice xmlns:v="urn:schemas-microsoft-com:vml" Requires="v">
-                <p:oleObj spid="_x0000_s92262" name="Equation" r:id="rId4" imgW="622300" imgH="254000" progId="Equation.3">
+                <p:oleObj spid="_x0000_s92266" name="Equation" r:id="rId4" imgW="622300" imgH="254000" progId="Equation.3">
                   <p:embed/>
                 </p:oleObj>
               </mc:Choice>
@@ -9360,7 +9311,7 @@
           <a:graphicData uri="http://schemas.openxmlformats.org/presentationml/2006/ole">
             <mc:AlternateContent xmlns:mc="http://schemas.openxmlformats.org/markup-compatibility/2006">
               <mc:Choice xmlns:v="urn:schemas-microsoft-com:vml" Requires="v">
-                <p:oleObj spid="_x0000_s92263" name="Equation" r:id="rId6" imgW="1117600" imgH="254000" progId="Equation.3">
+                <p:oleObj spid="_x0000_s92267" name="Equation" r:id="rId6" imgW="1117600" imgH="254000" progId="Equation.3">
                   <p:embed/>
                 </p:oleObj>
               </mc:Choice>
